--- a/Group 1 Presentation_final.pptx
+++ b/Group 1 Presentation_final.pptx
@@ -137,6 +137,7 @@
     <p1510:client id="{2CFEAE32-8737-46B4-A8DF-3957BFF09E25}" v="305" dt="2022-07-31T16:47:29.106"/>
     <p1510:client id="{7B8A8E8B-B58D-495C-89A2-D1905958A363}" v="378" dt="2022-07-31T16:25:15.873"/>
     <p1510:client id="{820D4934-0610-4B74-92BB-DA950E264EA9}" v="32" dt="2022-08-01T23:34:21.196"/>
+    <p1510:client id="{8C6365D3-94A5-41A4-96AE-3EF963E83658}" v="35" dt="2022-08-02T23:54:13.656"/>
     <p1510:client id="{996D3D9E-0DB4-45C2-A94C-2EF3AF3A39A7}" v="24" dt="2022-08-01T23:40:23.157"/>
     <p1510:client id="{A3458BC9-A8F9-45F8-920F-FE2AFC8D0FD3}" v="192" dt="2022-07-31T15:42:15.023"/>
     <p1510:client id="{D118A238-592A-4C92-AF3D-7B73448E0EF3}" v="437" dt="2022-08-02T22:42:59.709"/>
@@ -1162,7 +1163,7 @@
           <a:p>
             <a:fld id="{4F7BEB41-7FFB-4F1C-84C7-2BDCAC3F29CF}" type="slidenum">
               <a:rPr/>
-              <a:t>14</a:t>
+              <a:t>15</a:t>
             </a:fld>
             <a:endParaRPr lang="en-US"/>
           </a:p>
@@ -1784,7 +1785,7 @@
           <a:p>
             <a:fld id="{4F7BEB41-7FFB-4F1C-84C7-2BDCAC3F29CF}" type="slidenum">
               <a:rPr/>
-              <a:t>15</a:t>
+              <a:t>16</a:t>
             </a:fld>
             <a:endParaRPr lang="en-US"/>
           </a:p>
@@ -1895,7 +1896,7 @@
           <a:p>
             <a:fld id="{4F7BEB41-7FFB-4F1C-84C7-2BDCAC3F29CF}" type="slidenum">
               <a:rPr/>
-              <a:t>16</a:t>
+              <a:t>17</a:t>
             </a:fld>
             <a:endParaRPr lang="en-US"/>
           </a:p>
@@ -20009,13 +20010,13 @@
         </p:nvSpPr>
         <p:spPr>
           <a:xfrm>
-            <a:off x="1416255" y="2100942"/>
-            <a:ext cx="9556612" cy="3145971"/>
+            <a:off x="1286157" y="1747820"/>
+            <a:ext cx="7679491" cy="4428360"/>
           </a:xfrm>
         </p:spPr>
         <p:txBody>
           <a:bodyPr>
-            <a:normAutofit lnSpcReduction="10000"/>
+            <a:normAutofit/>
           </a:bodyPr>
           <a:lstStyle/>
           <a:p>
@@ -20023,7 +20024,7 @@
               <a:buNone/>
             </a:pPr>
             <a:r>
-              <a:rPr lang="en-US" cap="none">
+              <a:rPr lang="en-US" sz="1600" cap="none" dirty="0">
                 <a:effectLst>
                   <a:glow rad="38100">
                     <a:prstClr val="black">
@@ -20045,144 +20046,10 @@
             </a:r>
           </a:p>
           <a:p>
-            <a:r>
-              <a:rPr lang="en-US" cap="none">
-                <a:effectLst>
-                  <a:glow rad="38100">
-                    <a:prstClr val="black">
-                      <a:lumMod val="50000"/>
-                      <a:lumOff val="50000"/>
-                      <a:alpha val="20000"/>
-                    </a:prstClr>
-                  </a:glow>
-                  <a:outerShdw blurRad="44450" dist="12700" dir="13860000" algn="tl" rotWithShape="0">
-                    <a:srgbClr val="000000">
-                      <a:alpha val="20000"/>
-                    </a:srgbClr>
-                  </a:outerShdw>
-                </a:effectLst>
-                <a:ea typeface="+mn-lt"/>
-                <a:cs typeface="+mn-lt"/>
-              </a:rPr>
-              <a:t>Quantity of movies and shows</a:t>
-            </a:r>
-            <a:endParaRPr lang="en-US" cap="none">
-              <a:ea typeface="+mn-lt"/>
-              <a:cs typeface="+mn-lt"/>
-            </a:endParaRPr>
-          </a:p>
-          <a:p>
-            <a:pPr>
-              <a:buClr>
-                <a:srgbClr val="FFFFFF"/>
-              </a:buClr>
-            </a:pPr>
-            <a:r>
-              <a:rPr lang="en-US" cap="none">
-                <a:effectLst>
-                  <a:glow rad="38100">
-                    <a:prstClr val="black">
-                      <a:lumMod val="50000"/>
-                      <a:lumOff val="50000"/>
-                      <a:alpha val="20000"/>
-                    </a:prstClr>
-                  </a:glow>
-                  <a:outerShdw blurRad="44450" dist="12700" dir="13860000" algn="tl" rotWithShape="0">
-                    <a:srgbClr val="000000">
-                      <a:alpha val="20000"/>
-                    </a:srgbClr>
-                  </a:outerShdw>
-                </a:effectLst>
-                <a:ea typeface="+mn-lt"/>
-                <a:cs typeface="+mn-lt"/>
-              </a:rPr>
-              <a:t>Quality of movies and shows(IMDb average rating)</a:t>
-            </a:r>
-            <a:endParaRPr lang="en-US" cap="none">
-              <a:ea typeface="+mn-lt"/>
-              <a:cs typeface="+mn-lt"/>
-            </a:endParaRPr>
-          </a:p>
-          <a:p>
-            <a:pPr>
-              <a:buClr>
-                <a:srgbClr val="FFFFFF"/>
-              </a:buClr>
-            </a:pPr>
-            <a:r>
-              <a:rPr lang="en-US" cap="none">
-                <a:effectLst>
-                  <a:glow rad="38100">
-                    <a:prstClr val="black">
-                      <a:lumMod val="50000"/>
-                      <a:lumOff val="50000"/>
-                      <a:alpha val="20000"/>
-                    </a:prstClr>
-                  </a:glow>
-                  <a:outerShdw blurRad="44450" dist="12700" dir="13860000" algn="tl" rotWithShape="0">
-                    <a:srgbClr val="000000">
-                      <a:alpha val="20000"/>
-                    </a:srgbClr>
-                  </a:outerShdw>
-                </a:effectLst>
-                <a:ea typeface="+mn-lt"/>
-                <a:cs typeface="+mn-lt"/>
-              </a:rPr>
-              <a:t>Most popular movie and/or show  (TMDb popularity rating)</a:t>
-            </a:r>
-            <a:endParaRPr lang="en-US" cap="none">
-              <a:effectLst>
-                <a:glow rad="38100">
-                  <a:prstClr val="black">
-                    <a:lumMod val="50000"/>
-                    <a:lumOff val="50000"/>
-                    <a:alpha val="20000"/>
-                  </a:prstClr>
-                </a:glow>
-                <a:outerShdw blurRad="44450" dist="12700" dir="13860000" algn="tl" rotWithShape="0">
-                  <a:srgbClr val="000000">
-                    <a:alpha val="20000"/>
-                  </a:srgbClr>
-                </a:outerShdw>
-              </a:effectLst>
-            </a:endParaRPr>
-          </a:p>
-          <a:p>
-            <a:pPr>
-              <a:buClr>
-                <a:srgbClr val="FFFFFF"/>
-              </a:buClr>
-            </a:pPr>
-            <a:r>
-              <a:rPr lang="en-US" cap="none">
-                <a:effectLst>
-                  <a:glow rad="38100">
-                    <a:prstClr val="black">
-                      <a:lumMod val="50000"/>
-                      <a:lumOff val="50000"/>
-                      <a:alpha val="20000"/>
-                    </a:prstClr>
-                  </a:glow>
-                  <a:outerShdw blurRad="44450" dist="12700" dir="13860000" algn="tl" rotWithShape="0">
-                    <a:srgbClr val="000000">
-                      <a:alpha val="20000"/>
-                    </a:srgbClr>
-                  </a:outerShdw>
-                </a:effectLst>
-                <a:ea typeface="+mn-lt"/>
-                <a:cs typeface="+mn-lt"/>
-              </a:rPr>
-              <a:t>Most featured actor</a:t>
-            </a:r>
-          </a:p>
-          <a:p>
             <a:pPr marL="0" indent="0">
-              <a:buClr>
-                <a:srgbClr val="FFFFFF"/>
-              </a:buClr>
               <a:buNone/>
             </a:pPr>
-            <a:endParaRPr lang="en-US" cap="none">
+            <a:endParaRPr lang="en-US" sz="1600" cap="none" dirty="0">
               <a:effectLst>
                 <a:glow rad="38100">
                   <a:prstClr val="black">
@@ -20202,15 +20069,8 @@
             </a:endParaRPr>
           </a:p>
           <a:p>
-            <a:pPr lvl="1">
-              <a:buClr>
-                <a:srgbClr val="FFFFFF"/>
-              </a:buClr>
-              <a:buFont typeface="System Font Regular"/>
-              <a:buChar char="★"/>
-            </a:pPr>
-            <a:r>
-              <a:rPr lang="en-US" i="1" cap="none">
+            <a:r>
+              <a:rPr lang="en-US" sz="1600" cap="none" dirty="0">
                 <a:effectLst>
                   <a:glow rad="38100">
                     <a:prstClr val="black">
@@ -20228,15 +20088,334 @@
                 <a:ea typeface="+mn-lt"/>
                 <a:cs typeface="+mn-lt"/>
               </a:rPr>
-              <a:t>Note: The sample data used for each genre varied based on the number of titles per genre.</a:t>
-            </a:r>
-            <a:endParaRPr lang="en-US" i="1" cap="none">
+              <a:t>Quantity of movies and shows</a:t>
+            </a:r>
+          </a:p>
+          <a:p>
+            <a:pPr>
+              <a:buClr>
+                <a:srgbClr val="FFFFFF"/>
+              </a:buClr>
+            </a:pPr>
+            <a:r>
+              <a:rPr lang="en-US" sz="1600" cap="none" dirty="0">
+                <a:effectLst>
+                  <a:glow rad="38100">
+                    <a:prstClr val="black">
+                      <a:lumMod val="50000"/>
+                      <a:lumOff val="50000"/>
+                      <a:alpha val="20000"/>
+                    </a:prstClr>
+                  </a:glow>
+                  <a:outerShdw blurRad="44450" dist="12700" dir="13860000" algn="tl" rotWithShape="0">
+                    <a:srgbClr val="000000">
+                      <a:alpha val="20000"/>
+                    </a:srgbClr>
+                  </a:outerShdw>
+                </a:effectLst>
+                <a:ea typeface="+mn-lt"/>
+                <a:cs typeface="+mn-lt"/>
+              </a:rPr>
+              <a:t>Quality of movies and shows</a:t>
+            </a:r>
+          </a:p>
+          <a:p>
+            <a:pPr lvl="1">
+              <a:buClr>
+                <a:srgbClr val="FFFFFF"/>
+              </a:buClr>
+            </a:pPr>
+            <a:r>
+              <a:rPr lang="en-US" sz="1400" cap="none" dirty="0">
+                <a:effectLst>
+                  <a:glow rad="38100">
+                    <a:prstClr val="black">
+                      <a:lumMod val="50000"/>
+                      <a:lumOff val="50000"/>
+                      <a:alpha val="20000"/>
+                    </a:prstClr>
+                  </a:glow>
+                  <a:outerShdw blurRad="44450" dist="12700" dir="13860000" algn="tl" rotWithShape="0">
+                    <a:srgbClr val="000000">
+                      <a:alpha val="20000"/>
+                    </a:srgbClr>
+                  </a:outerShdw>
+                </a:effectLst>
+                <a:ea typeface="+mn-lt"/>
+                <a:cs typeface="+mn-lt"/>
+              </a:rPr>
+              <a:t>(IMDb average rating)</a:t>
+            </a:r>
+            <a:endParaRPr lang="en-US" sz="1400" dirty="0">
+              <a:effectLst>
+                <a:glow rad="38100">
+                  <a:prstClr val="black">
+                    <a:lumMod val="50000"/>
+                    <a:lumOff val="50000"/>
+                    <a:alpha val="20000"/>
+                  </a:prstClr>
+                </a:glow>
+                <a:outerShdw blurRad="44450" dist="12700" dir="13860000" algn="tl" rotWithShape="0">
+                  <a:srgbClr val="000000">
+                    <a:alpha val="20000"/>
+                  </a:srgbClr>
+                </a:outerShdw>
+              </a:effectLst>
+            </a:endParaRPr>
+          </a:p>
+          <a:p>
+            <a:pPr>
+              <a:buClr>
+                <a:srgbClr val="FFFFFF"/>
+              </a:buClr>
+            </a:pPr>
+            <a:r>
+              <a:rPr lang="en-US" sz="1600" cap="none" dirty="0">
+                <a:effectLst>
+                  <a:glow rad="38100">
+                    <a:prstClr val="black">
+                      <a:lumMod val="50000"/>
+                      <a:lumOff val="50000"/>
+                      <a:alpha val="20000"/>
+                    </a:prstClr>
+                  </a:glow>
+                  <a:outerShdw blurRad="44450" dist="12700" dir="13860000" algn="tl" rotWithShape="0">
+                    <a:srgbClr val="000000">
+                      <a:alpha val="20000"/>
+                    </a:srgbClr>
+                  </a:outerShdw>
+                </a:effectLst>
+                <a:ea typeface="+mn-lt"/>
+                <a:cs typeface="+mn-lt"/>
+              </a:rPr>
+              <a:t>Most popular movie and/or show</a:t>
+            </a:r>
+          </a:p>
+          <a:p>
+            <a:pPr lvl="1">
+              <a:buClr>
+                <a:srgbClr val="FFFFFF"/>
+              </a:buClr>
+            </a:pPr>
+            <a:r>
+              <a:rPr lang="en-US" sz="1400" cap="none" dirty="0">
+                <a:effectLst>
+                  <a:glow rad="38100">
+                    <a:prstClr val="black">
+                      <a:lumMod val="50000"/>
+                      <a:lumOff val="50000"/>
+                      <a:alpha val="20000"/>
+                    </a:prstClr>
+                  </a:glow>
+                  <a:outerShdw blurRad="44450" dist="12700" dir="13860000" algn="tl" rotWithShape="0">
+                    <a:srgbClr val="000000">
+                      <a:alpha val="20000"/>
+                    </a:srgbClr>
+                  </a:outerShdw>
+                </a:effectLst>
+                <a:ea typeface="+mn-lt"/>
+                <a:cs typeface="+mn-lt"/>
+              </a:rPr>
+              <a:t>(</a:t>
+            </a:r>
+            <a:r>
+              <a:rPr lang="en-US" sz="1400" cap="none" dirty="0" err="1">
+                <a:effectLst>
+                  <a:glow rad="38100">
+                    <a:prstClr val="black">
+                      <a:lumMod val="50000"/>
+                      <a:lumOff val="50000"/>
+                      <a:alpha val="20000"/>
+                    </a:prstClr>
+                  </a:glow>
+                  <a:outerShdw blurRad="44450" dist="12700" dir="13860000" algn="tl" rotWithShape="0">
+                    <a:srgbClr val="000000">
+                      <a:alpha val="20000"/>
+                    </a:srgbClr>
+                  </a:outerShdw>
+                </a:effectLst>
+                <a:ea typeface="+mn-lt"/>
+                <a:cs typeface="+mn-lt"/>
+              </a:rPr>
+              <a:t>TMDb</a:t>
+            </a:r>
+            <a:r>
+              <a:rPr lang="en-US" sz="1400" cap="none" dirty="0">
+                <a:effectLst>
+                  <a:glow rad="38100">
+                    <a:prstClr val="black">
+                      <a:lumMod val="50000"/>
+                      <a:lumOff val="50000"/>
+                      <a:alpha val="20000"/>
+                    </a:prstClr>
+                  </a:glow>
+                  <a:outerShdw blurRad="44450" dist="12700" dir="13860000" algn="tl" rotWithShape="0">
+                    <a:srgbClr val="000000">
+                      <a:alpha val="20000"/>
+                    </a:srgbClr>
+                  </a:outerShdw>
+                </a:effectLst>
+                <a:ea typeface="+mn-lt"/>
+                <a:cs typeface="+mn-lt"/>
+              </a:rPr>
+              <a:t> popularity rating)</a:t>
+            </a:r>
+            <a:endParaRPr lang="en-US" sz="1400" cap="none">
+              <a:effectLst>
+                <a:glow rad="38100">
+                  <a:prstClr val="black">
+                    <a:lumMod val="50000"/>
+                    <a:lumOff val="50000"/>
+                    <a:alpha val="20000"/>
+                  </a:prstClr>
+                </a:glow>
+                <a:outerShdw blurRad="44450" dist="12700" dir="13860000" algn="tl" rotWithShape="0">
+                  <a:srgbClr val="000000">
+                    <a:alpha val="20000"/>
+                  </a:srgbClr>
+                </a:outerShdw>
+              </a:effectLst>
+            </a:endParaRPr>
+          </a:p>
+          <a:p>
+            <a:pPr>
+              <a:buClr>
+                <a:srgbClr val="FFFFFF"/>
+              </a:buClr>
+            </a:pPr>
+            <a:r>
+              <a:rPr lang="en-US" sz="1600" cap="none" dirty="0">
+                <a:effectLst>
+                  <a:glow rad="38100">
+                    <a:prstClr val="black">
+                      <a:lumMod val="50000"/>
+                      <a:lumOff val="50000"/>
+                      <a:alpha val="20000"/>
+                    </a:prstClr>
+                  </a:glow>
+                  <a:outerShdw blurRad="44450" dist="12700" dir="13860000" algn="tl" rotWithShape="0">
+                    <a:srgbClr val="000000">
+                      <a:alpha val="20000"/>
+                    </a:srgbClr>
+                  </a:outerShdw>
+                </a:effectLst>
+                <a:ea typeface="+mn-lt"/>
+                <a:cs typeface="+mn-lt"/>
+              </a:rPr>
+              <a:t>Most featured actor</a:t>
+            </a:r>
+          </a:p>
+          <a:p>
+            <a:pPr marL="0" indent="0">
+              <a:buClr>
+                <a:srgbClr val="FFFFFF"/>
+              </a:buClr>
+              <a:buNone/>
+            </a:pPr>
+            <a:endParaRPr lang="en-US" sz="1600" cap="none" dirty="0">
+              <a:effectLst>
+                <a:glow rad="38100">
+                  <a:prstClr val="black">
+                    <a:lumMod val="50000"/>
+                    <a:lumOff val="50000"/>
+                    <a:alpha val="20000"/>
+                  </a:prstClr>
+                </a:glow>
+                <a:outerShdw blurRad="44450" dist="12700" dir="13860000" algn="tl" rotWithShape="0">
+                  <a:srgbClr val="000000">
+                    <a:alpha val="20000"/>
+                  </a:srgbClr>
+                </a:outerShdw>
+              </a:effectLst>
               <a:ea typeface="+mn-lt"/>
               <a:cs typeface="+mn-lt"/>
             </a:endParaRPr>
           </a:p>
+          <a:p>
+            <a:pPr marL="0" indent="0">
+              <a:buNone/>
+            </a:pPr>
+            <a:endParaRPr lang="en-US" sz="1600" cap="none" dirty="0">
+              <a:effectLst>
+                <a:glow rad="38100">
+                  <a:prstClr val="black">
+                    <a:lumMod val="50000"/>
+                    <a:lumOff val="50000"/>
+                    <a:alpha val="20000"/>
+                  </a:prstClr>
+                </a:glow>
+                <a:outerShdw blurRad="44450" dist="12700" dir="13860000" algn="tl" rotWithShape="0">
+                  <a:srgbClr val="000000">
+                    <a:alpha val="20000"/>
+                  </a:srgbClr>
+                </a:outerShdw>
+              </a:effectLst>
+              <a:ea typeface="+mn-lt"/>
+              <a:cs typeface="+mn-lt"/>
+            </a:endParaRPr>
+          </a:p>
+          <a:p>
+            <a:pPr indent="0">
+              <a:buClr>
+                <a:srgbClr val="FFFFFF"/>
+              </a:buClr>
+              <a:buFont typeface="System Font Regular"/>
+              <a:buChar char="★"/>
+            </a:pPr>
+            <a:r>
+              <a:rPr lang="en-US" sz="1400" i="1" cap="none" dirty="0">
+                <a:effectLst>
+                  <a:glow rad="38100">
+                    <a:prstClr val="black">
+                      <a:lumMod val="50000"/>
+                      <a:lumOff val="50000"/>
+                      <a:alpha val="20000"/>
+                    </a:prstClr>
+                  </a:glow>
+                  <a:outerShdw blurRad="44450" dist="12700" dir="13860000" algn="tl" rotWithShape="0">
+                    <a:srgbClr val="000000">
+                      <a:alpha val="20000"/>
+                    </a:srgbClr>
+                  </a:outerShdw>
+                </a:effectLst>
+                <a:ea typeface="+mn-lt"/>
+                <a:cs typeface="+mn-lt"/>
+              </a:rPr>
+              <a:t>Note: The sample data used for each genre varied based on the number of titles per genre.</a:t>
+            </a:r>
+          </a:p>
         </p:txBody>
       </p:sp>
+      <p:pic>
+        <p:nvPicPr>
+          <p:cNvPr id="4" name="Picture 5" descr="Chart, line chart&#10;&#10;Description automatically generated">
+            <a:extLst>
+              <a:ext uri="{FF2B5EF4-FFF2-40B4-BE49-F238E27FC236}">
+                <a16:creationId xmlns:a16="http://schemas.microsoft.com/office/drawing/2014/main" id="{42F36C51-E4B6-F118-63C9-116DF0204842}"/>
+              </a:ext>
+            </a:extLst>
+          </p:cNvPr>
+          <p:cNvPicPr>
+            <a:picLocks noChangeAspect="1"/>
+          </p:cNvPicPr>
+          <p:nvPr/>
+        </p:nvPicPr>
+        <p:blipFill>
+          <a:blip r:embed="rId5"/>
+          <a:stretch>
+            <a:fillRect/>
+          </a:stretch>
+        </p:blipFill>
+        <p:spPr>
+          <a:xfrm>
+            <a:off x="5170447" y="2361940"/>
+            <a:ext cx="5902713" cy="2914704"/>
+          </a:xfrm>
+          <a:prstGeom prst="rect">
+            <a:avLst/>
+          </a:prstGeom>
+        </p:spPr>
+      </p:pic>
     </p:spTree>
     <p:extLst>
       <p:ext uri="{BB962C8B-B14F-4D97-AF65-F5344CB8AC3E}">
